--- a/docs/New IP Tutorial --Part-3.pptx
+++ b/docs/New IP Tutorial --Part-3.pptx
@@ -25,17 +25,16 @@
     <p:sldId id="270" r:id="rId19"/>
     <p:sldId id="271" r:id="rId20"/>
     <p:sldId id="272" r:id="rId21"/>
-    <p:sldId id="273" r:id="rId22"/>
   </p:sldIdLst>
   <p:sldSz cy="6858000" cx="12192000"/>
   <p:notesSz cx="6858000" cy="9144000"/>
   <p:embeddedFontLst>
     <p:embeddedFont>
       <p:font typeface="Nunito"/>
-      <p:regular r:id="rId23"/>
-      <p:bold r:id="rId24"/>
-      <p:italic r:id="rId25"/>
-      <p:boldItalic r:id="rId26"/>
+      <p:regular r:id="rId22"/>
+      <p:bold r:id="rId23"/>
+      <p:italic r:id="rId24"/>
+      <p:boldItalic r:id="rId25"/>
     </p:embeddedFont>
   </p:embeddedFontLst>
   <p:defaultTextStyle>
@@ -269,7 +268,7 @@
   </p:defaultTextStyle>
   <p:extLst>
     <p:ext uri="http://customooxmlschemas.google.com/">
-      <go:slidesCustomData xmlns:go="http://customooxmlschemas.google.com/" r:id="rId27" roundtripDataSignature="AMtx7mjBUc5SgbuDdETScMge8wXBc9BNMg=="/>
+      <go:slidesCustomData xmlns:go="http://customooxmlschemas.google.com/" r:id="rId26" roundtripDataSignature="AMtx7mgq9j89w5WONpg0073N2/Uk9hAWgw=="/>
     </p:ext>
   </p:extLst>
 </p:presentation>
@@ -2811,124 +2810,7 @@
       </p:grpSpPr>
       <p:sp>
         <p:nvSpPr>
-          <p:cNvPr id="178" name="Google Shape;178;g117367f3d4a_0_77:notes"/>
-          <p:cNvSpPr/>
-          <p:nvPr>
-            <p:ph idx="2" type="sldImg"/>
-          </p:nvPr>
-        </p:nvSpPr>
-        <p:spPr>
-          <a:xfrm>
-            <a:off x="381300" y="685800"/>
-            <a:ext cx="6096000" cy="3429000"/>
-          </a:xfrm>
-          <a:custGeom>
-            <a:rect b="b" l="l" r="r" t="t"/>
-            <a:pathLst>
-              <a:path extrusionOk="0" h="120000" w="120000">
-                <a:moveTo>
-                  <a:pt x="0" y="0"/>
-                </a:moveTo>
-                <a:lnTo>
-                  <a:pt x="120000" y="0"/>
-                </a:lnTo>
-                <a:lnTo>
-                  <a:pt x="120000" y="120000"/>
-                </a:lnTo>
-                <a:lnTo>
-                  <a:pt x="0" y="120000"/>
-                </a:lnTo>
-                <a:close/>
-              </a:path>
-            </a:pathLst>
-          </a:custGeom>
-          <a:noFill/>
-          <a:ln cap="flat" cmpd="sng" w="12700">
-            <a:solidFill>
-              <a:srgbClr val="000000"/>
-            </a:solidFill>
-            <a:prstDash val="solid"/>
-            <a:round/>
-            <a:headEnd len="sm" w="sm" type="none"/>
-            <a:tailEnd len="sm" w="sm" type="none"/>
-          </a:ln>
-        </p:spPr>
-      </p:sp>
-      <p:sp>
-        <p:nvSpPr>
-          <p:cNvPr id="179" name="Google Shape;179;g117367f3d4a_0_77:notes"/>
-          <p:cNvSpPr txBox="1"/>
-          <p:nvPr>
-            <p:ph idx="1" type="body"/>
-          </p:nvPr>
-        </p:nvSpPr>
-        <p:spPr>
-          <a:xfrm>
-            <a:off x="685800" y="4343400"/>
-            <a:ext cx="5486400" cy="4114800"/>
-          </a:xfrm>
-          <a:prstGeom prst="rect">
-            <a:avLst/>
-          </a:prstGeom>
-          <a:noFill/>
-          <a:ln>
-            <a:noFill/>
-          </a:ln>
-        </p:spPr>
-        <p:txBody>
-          <a:bodyPr anchorCtr="0" anchor="t" bIns="45700" lIns="91425" spcFirstLastPara="1" rIns="91425" wrap="square" tIns="45700">
-            <a:noAutofit/>
-          </a:bodyPr>
-          <a:lstStyle/>
-          <a:p>
-            <a:pPr indent="0" lvl="0" marL="0" rtl="0" algn="l">
-              <a:lnSpc>
-                <a:spcPct val="100000"/>
-              </a:lnSpc>
-              <a:spcBef>
-                <a:spcPts val="0"/>
-              </a:spcBef>
-              <a:spcAft>
-                <a:spcPts val="0"/>
-              </a:spcAft>
-              <a:buSzPts val="1400"/>
-              <a:buNone/>
-            </a:pPr>
-            <a:r>
-              <a:t/>
-            </a:r>
-            <a:endParaRPr/>
-          </a:p>
-        </p:txBody>
-      </p:sp>
-    </p:spTree>
-  </p:cSld>
-  <p:clrMapOvr>
-    <a:masterClrMapping/>
-  </p:clrMapOvr>
-</p:notes>
-</file>
-
-<file path=ppt/notesSlides/notesSlide18.xml><?xml version="1.0" encoding="utf-8"?>
-<p:notes xmlns:a="http://schemas.openxmlformats.org/drawingml/2006/main" xmlns:r="http://schemas.openxmlformats.org/officeDocument/2006/relationships" xmlns:mc="http://schemas.openxmlformats.org/markup-compatibility/2006" xmlns:mv="urn:schemas-microsoft-com:mac:vml" xmlns:p="http://schemas.openxmlformats.org/presentationml/2006/main" xmlns:c="http://schemas.openxmlformats.org/drawingml/2006/chart" xmlns:dgm="http://schemas.openxmlformats.org/drawingml/2006/diagram" xmlns:o="urn:schemas-microsoft-com:office:office" xmlns:v="urn:schemas-microsoft-com:vml" xmlns:pvml="urn:schemas-microsoft-com:office:powerpoint" xmlns:com="http://schemas.openxmlformats.org/drawingml/2006/compatibility" xmlns:p14="http://schemas.microsoft.com/office/powerpoint/2010/main" xmlns:p15="http://schemas.microsoft.com/office/powerpoint/2012/main" xmlns:ahyp="http://schemas.microsoft.com/office/drawing/2018/hyperlinkcolor" showMasterPhAnim="0" showMasterSp="0">
-  <p:cSld>
-    <p:spTree>
-      <p:nvGrpSpPr>
-        <p:cNvPr id="184" name="Shape 184"/>
-        <p:cNvGrpSpPr/>
-        <p:nvPr/>
-      </p:nvGrpSpPr>
-      <p:grpSpPr>
-        <a:xfrm>
-          <a:off x="0" y="0"/>
-          <a:ext cx="0" cy="0"/>
-          <a:chOff x="0" y="0"/>
-          <a:chExt cx="0" cy="0"/>
-        </a:xfrm>
-      </p:grpSpPr>
-      <p:sp>
-        <p:nvSpPr>
-          <p:cNvPr id="185" name="Google Shape;185;g118612fe988_0_1:notes"/>
+          <p:cNvPr id="178" name="Google Shape;178;g118612fe988_0_1:notes"/>
           <p:cNvSpPr/>
           <p:nvPr>
             <p:ph idx="2" type="sldImg"/>
@@ -2963,7 +2845,7 @@
       </p:sp>
       <p:sp>
         <p:nvSpPr>
-          <p:cNvPr id="186" name="Google Shape;186;g118612fe988_0_1:notes"/>
+          <p:cNvPr id="179" name="Google Shape;179;g118612fe988_0_1:notes"/>
           <p:cNvSpPr txBox="1"/>
           <p:nvPr>
             <p:ph idx="1" type="body"/>
@@ -3002,7 +2884,7 @@
       </p:sp>
       <p:sp>
         <p:nvSpPr>
-          <p:cNvPr id="187" name="Google Shape;187;g118612fe988_0_1:notes"/>
+          <p:cNvPr id="180" name="Google Shape;180;g118612fe988_0_1:notes"/>
           <p:cNvSpPr txBox="1"/>
           <p:nvPr>
             <p:ph idx="12" type="sldNum"/>
@@ -15222,7 +15104,7 @@
   <p:cSld>
     <p:spTree>
       <p:nvGrpSpPr>
-        <p:cNvPr id="180" name="Shape 180"/>
+        <p:cNvPr id="181" name="Shape 181"/>
         <p:cNvGrpSpPr/>
         <p:nvPr/>
       </p:nvGrpSpPr>
@@ -15236,171 +15118,7 @@
       </p:grpSpPr>
       <p:sp>
         <p:nvSpPr>
-          <p:cNvPr id="181" name="Google Shape;181;g117367f3d4a_0_77"/>
-          <p:cNvSpPr txBox="1"/>
-          <p:nvPr>
-            <p:ph type="title"/>
-          </p:nvPr>
-        </p:nvSpPr>
-        <p:spPr>
-          <a:xfrm>
-            <a:off x="1092200" y="535967"/>
-            <a:ext cx="10007700" cy="1272900"/>
-          </a:xfrm>
-          <a:prstGeom prst="rect">
-            <a:avLst/>
-          </a:prstGeom>
-          <a:noFill/>
-          <a:ln>
-            <a:noFill/>
-          </a:ln>
-        </p:spPr>
-        <p:txBody>
-          <a:bodyPr anchorCtr="0" anchor="t" bIns="121900" lIns="121900" spcFirstLastPara="1" rIns="121900" wrap="square" tIns="121900">
-            <a:normAutofit/>
-          </a:bodyPr>
-          <a:lstStyle/>
-          <a:p>
-            <a:pPr indent="0" lvl="0" marL="0" rtl="0" algn="l">
-              <a:lnSpc>
-                <a:spcPct val="100000"/>
-              </a:lnSpc>
-              <a:spcBef>
-                <a:spcPts val="0"/>
-              </a:spcBef>
-              <a:spcAft>
-                <a:spcPts val="0"/>
-              </a:spcAft>
-              <a:buSzPts val="3700"/>
-              <a:buNone/>
-            </a:pPr>
-            <a:r>
-              <a:rPr lang="en-US"/>
-              <a:t>New IP Packet processing</a:t>
-            </a:r>
-            <a:endParaRPr/>
-          </a:p>
-        </p:txBody>
-      </p:sp>
-      <p:sp>
-        <p:nvSpPr>
-          <p:cNvPr id="182" name="Google Shape;182;g117367f3d4a_0_77"/>
-          <p:cNvSpPr txBox="1"/>
-          <p:nvPr>
-            <p:ph idx="12" type="sldNum"/>
-          </p:nvPr>
-        </p:nvSpPr>
-        <p:spPr>
-          <a:xfrm>
-            <a:off x="11296610" y="6217622"/>
-            <a:ext cx="731700" cy="524700"/>
-          </a:xfrm>
-          <a:prstGeom prst="rect">
-            <a:avLst/>
-          </a:prstGeom>
-          <a:noFill/>
-          <a:ln>
-            <a:noFill/>
-          </a:ln>
-        </p:spPr>
-        <p:txBody>
-          <a:bodyPr anchorCtr="0" anchor="ctr" bIns="121900" lIns="121900" spcFirstLastPara="1" rIns="121900" wrap="square" tIns="121900">
-            <a:normAutofit/>
-          </a:bodyPr>
-          <a:lstStyle/>
-          <a:p>
-            <a:pPr indent="0" lvl="0" marL="0" rtl="0" algn="r">
-              <a:lnSpc>
-                <a:spcPct val="100000"/>
-              </a:lnSpc>
-              <a:spcBef>
-                <a:spcPts val="0"/>
-              </a:spcBef>
-              <a:spcAft>
-                <a:spcPts val="0"/>
-              </a:spcAft>
-              <a:buSzPts val="1300"/>
-              <a:buNone/>
-            </a:pPr>
-            <a:fld id="{00000000-1234-1234-1234-123412341234}" type="slidenum">
-              <a:rPr lang="en-US" sz="1300">
-                <a:solidFill>
-                  <a:schemeClr val="dk2"/>
-                </a:solidFill>
-                <a:latin typeface="Arial"/>
-                <a:ea typeface="Arial"/>
-                <a:cs typeface="Arial"/>
-                <a:sym typeface="Arial"/>
-              </a:rPr>
-              <a:t>‹#›</a:t>
-            </a:fld>
-            <a:endParaRPr sz="1300">
-              <a:solidFill>
-                <a:schemeClr val="dk2"/>
-              </a:solidFill>
-              <a:latin typeface="Arial"/>
-              <a:ea typeface="Arial"/>
-              <a:cs typeface="Arial"/>
-              <a:sym typeface="Arial"/>
-            </a:endParaRPr>
-          </a:p>
-        </p:txBody>
-      </p:sp>
-      <p:pic>
-        <p:nvPicPr>
-          <p:cNvPr id="183" name="Google Shape;183;g117367f3d4a_0_77"/>
-          <p:cNvPicPr preferRelativeResize="0"/>
-          <p:nvPr/>
-        </p:nvPicPr>
-        <p:blipFill rotWithShape="1">
-          <a:blip r:embed="rId3">
-            <a:alphaModFix/>
-          </a:blip>
-          <a:srcRect b="0" l="0" r="0" t="0"/>
-          <a:stretch/>
-        </p:blipFill>
-        <p:spPr>
-          <a:xfrm>
-            <a:off x="271000" y="1765933"/>
-            <a:ext cx="11649998" cy="4105533"/>
-          </a:xfrm>
-          <a:prstGeom prst="rect">
-            <a:avLst/>
-          </a:prstGeom>
-          <a:noFill/>
-          <a:ln>
-            <a:noFill/>
-          </a:ln>
-        </p:spPr>
-      </p:pic>
-    </p:spTree>
-  </p:cSld>
-  <p:clrMapOvr>
-    <a:masterClrMapping/>
-  </p:clrMapOvr>
-</p:sld>
-</file>
-
-<file path=ppt/slides/slide18.xml><?xml version="1.0" encoding="utf-8"?>
-<p:sld xmlns:a="http://schemas.openxmlformats.org/drawingml/2006/main" xmlns:r="http://schemas.openxmlformats.org/officeDocument/2006/relationships" xmlns:mc="http://schemas.openxmlformats.org/markup-compatibility/2006" xmlns:mv="urn:schemas-microsoft-com:mac:vml" xmlns:p="http://schemas.openxmlformats.org/presentationml/2006/main" xmlns:c="http://schemas.openxmlformats.org/drawingml/2006/chart" xmlns:dgm="http://schemas.openxmlformats.org/drawingml/2006/diagram" xmlns:o="urn:schemas-microsoft-com:office:office" xmlns:v="urn:schemas-microsoft-com:vml" xmlns:pvml="urn:schemas-microsoft-com:office:powerpoint" xmlns:com="http://schemas.openxmlformats.org/drawingml/2006/compatibility" xmlns:p14="http://schemas.microsoft.com/office/powerpoint/2010/main" xmlns:p15="http://schemas.microsoft.com/office/powerpoint/2012/main" xmlns:ahyp="http://schemas.microsoft.com/office/drawing/2018/hyperlinkcolor">
-  <p:cSld>
-    <p:spTree>
-      <p:nvGrpSpPr>
-        <p:cNvPr id="188" name="Shape 188"/>
-        <p:cNvGrpSpPr/>
-        <p:nvPr/>
-      </p:nvGrpSpPr>
-      <p:grpSpPr>
-        <a:xfrm>
-          <a:off x="0" y="0"/>
-          <a:ext cx="0" cy="0"/>
-          <a:chOff x="0" y="0"/>
-          <a:chExt cx="0" cy="0"/>
-        </a:xfrm>
-      </p:grpSpPr>
-      <p:sp>
-        <p:nvSpPr>
-          <p:cNvPr id="189" name="Google Shape;189;g118612fe988_0_1"/>
+          <p:cNvPr id="182" name="Google Shape;182;g118612fe988_0_1"/>
           <p:cNvSpPr txBox="1"/>
           <p:nvPr>
             <p:ph type="title"/>
@@ -15440,7 +15158,7 @@
       </p:sp>
       <p:sp>
         <p:nvSpPr>
-          <p:cNvPr id="190" name="Google Shape;190;g118612fe988_0_1"/>
+          <p:cNvPr id="183" name="Google Shape;183;g118612fe988_0_1"/>
           <p:cNvSpPr txBox="1"/>
           <p:nvPr>
             <p:ph idx="1" type="body"/>
@@ -15776,7 +15494,7 @@
       </p:sp>
       <p:sp>
         <p:nvSpPr>
-          <p:cNvPr id="191" name="Google Shape;191;g118612fe988_0_1"/>
+          <p:cNvPr id="184" name="Google Shape;184;g118612fe988_0_1"/>
           <p:cNvSpPr txBox="1"/>
           <p:nvPr>
             <p:ph idx="12" type="sldNum"/>
